--- a/2017204041_송선아.pptx
+++ b/2017204041_송선아.pptx
@@ -6494,6 +6494,36 @@
           <a:chExt cx="0" cy="0"/>
         </a:xfrm>
       </p:grpSpPr>
+      <p:pic>
+        <p:nvPicPr>
+          <p:cNvPr id="5" name="그림 4" descr="스크린샷이(가) 표시된 사진&#10;&#10;매우 높은 신뢰도로 생성된 설명">
+            <a:extLst>
+              <a:ext uri="{FF2B5EF4-FFF2-40B4-BE49-F238E27FC236}">
+                <a16:creationId xmlns:a16="http://schemas.microsoft.com/office/drawing/2014/main" id="{7CE00BC9-B46B-4127-9F01-56F00C41BA8B}"/>
+              </a:ext>
+            </a:extLst>
+          </p:cNvPr>
+          <p:cNvPicPr>
+            <a:picLocks noChangeAspect="1"/>
+          </p:cNvPicPr>
+          <p:nvPr/>
+        </p:nvPicPr>
+        <p:blipFill>
+          <a:blip r:embed="rId2"/>
+          <a:stretch>
+            <a:fillRect/>
+          </a:stretch>
+        </p:blipFill>
+        <p:spPr>
+          <a:xfrm>
+            <a:off x="2411624" y="675954"/>
+            <a:ext cx="4347425" cy="5765832"/>
+          </a:xfrm>
+          <a:prstGeom prst="rect">
+            <a:avLst/>
+          </a:prstGeom>
+        </p:spPr>
+      </p:pic>
       <p:sp>
         <p:nvSpPr>
           <p:cNvPr id="9" name="Title 8"/>
@@ -6564,7 +6594,7 @@
           <p:nvPr>
             <p:extLst>
               <p:ext uri="{D42A27DB-BD31-4B8C-83A1-F6EECF244321}">
-                <p14:modId xmlns:p14="http://schemas.microsoft.com/office/powerpoint/2010/main" val="471369893"/>
+                <p14:modId xmlns:p14="http://schemas.microsoft.com/office/powerpoint/2010/main" val="1949169504"/>
               </p:ext>
             </p:extLst>
           </p:nvPr>
@@ -7217,19 +7247,39 @@
                     <a:bodyPr/>
                     <a:lstStyle/>
                     <a:p>
+                      <a:pPr marL="0" marR="0" lvl="0" indent="0" algn="l" defTabSz="914400" rtl="0" eaLnBrk="1" fontAlgn="auto" latinLnBrk="1" hangingPunct="1">
+                        <a:lnSpc>
+                          <a:spcPct val="100000"/>
+                        </a:lnSpc>
+                        <a:spcBef>
+                          <a:spcPts val="0"/>
+                        </a:spcBef>
+                        <a:spcAft>
+                          <a:spcPts val="0"/>
+                        </a:spcAft>
+                        <a:buClrTx/>
+                        <a:buSzTx/>
+                        <a:buFontTx/>
+                        <a:buNone/>
+                        <a:tabLst/>
+                        <a:defRPr/>
+                      </a:pPr>
                       <a:r>
                         <a:rPr lang="ko-KR" altLang="en-US" sz="700" dirty="0">
                           <a:solidFill>
                             <a:srgbClr val="000000"/>
                           </a:solidFill>
                         </a:rPr>
-                        <a:t>꿈나라 별나라 앨범 사진과 밑에는 제목</a:t>
-                      </a:r>
-                      <a:endParaRPr lang="en-US" altLang="ko-KR" sz="700" dirty="0">
-                        <a:solidFill>
-                          <a:srgbClr val="000000"/>
-                        </a:solidFill>
-                      </a:endParaRPr>
+                        <a:t>노래가 나올 때 재생되는 음악 버튼 </a:t>
+                      </a:r>
+                      <a:r>
+                        <a:rPr lang="en-US" altLang="ko-KR" sz="700" dirty="0">
+                          <a:solidFill>
+                            <a:srgbClr val="000000"/>
+                          </a:solidFill>
+                        </a:rPr>
+                        <a:t>(240 * 25)</a:t>
+                      </a:r>
                     </a:p>
                   </a:txBody>
                   <a:tcPr marL="29132" marR="29132" marT="39581" marB="39581">
@@ -7307,22 +7357,11 @@
                     <a:bodyPr/>
                     <a:lstStyle/>
                     <a:p>
-                      <a:r>
-                        <a:rPr lang="ko-KR" altLang="en-US" sz="700" dirty="0">
-                          <a:solidFill>
-                            <a:srgbClr val="000000"/>
-                          </a:solidFill>
-                        </a:rPr>
-                        <a:t>노래가 나올 때 재생되는 음악 버튼 </a:t>
-                      </a:r>
-                      <a:r>
-                        <a:rPr lang="en-US" altLang="ko-KR" sz="700" dirty="0">
-                          <a:solidFill>
-                            <a:srgbClr val="000000"/>
-                          </a:solidFill>
-                        </a:rPr>
-                        <a:t>(240 * 25)</a:t>
-                      </a:r>
+                      <a:endParaRPr lang="en-US" altLang="ko-KR" sz="700" dirty="0">
+                        <a:solidFill>
+                          <a:srgbClr val="000000"/>
+                        </a:solidFill>
+                      </a:endParaRPr>
                     </a:p>
                   </a:txBody>
                   <a:tcPr marL="29132" marR="29132" marT="39581" marB="39581">
@@ -7571,7 +7610,7 @@
                       </a:r>
                       <a:r>
                         <a:rPr lang="en-US" sz="700" b="0" baseline="0" dirty="0"/>
-                        <a:t> ~ 8 </a:t>
+                        <a:t> ~ 7 </a:t>
                       </a:r>
                       <a:r>
                         <a:rPr lang="ko-KR" altLang="en-US" sz="700" b="0" baseline="0" dirty="0"/>
@@ -7848,36 +7887,6 @@
           </a:p>
         </p:txBody>
       </p:sp>
-      <p:pic>
-        <p:nvPicPr>
-          <p:cNvPr id="2" name="그림 1"/>
-          <p:cNvPicPr>
-            <a:picLocks noChangeAspect="1"/>
-          </p:cNvPicPr>
-          <p:nvPr/>
-        </p:nvPicPr>
-        <p:blipFill>
-          <a:blip r:embed="rId2">
-            <a:extLst>
-              <a:ext uri="{28A0092B-C50C-407E-A947-70E740481C1C}">
-                <a14:useLocalDpi xmlns:a14="http://schemas.microsoft.com/office/drawing/2010/main" val="0"/>
-              </a:ext>
-            </a:extLst>
-          </a:blip>
-          <a:stretch>
-            <a:fillRect/>
-          </a:stretch>
-        </p:blipFill>
-        <p:spPr>
-          <a:xfrm>
-            <a:off x="2600953" y="802955"/>
-            <a:ext cx="4018922" cy="5609232"/>
-          </a:xfrm>
-          <a:prstGeom prst="rect">
-            <a:avLst/>
-          </a:prstGeom>
-        </p:spPr>
-      </p:pic>
       <p:sp>
         <p:nvSpPr>
           <p:cNvPr id="17" name="타원 16"/>
@@ -7886,7 +7895,7 @@
         </p:nvSpPr>
         <p:spPr>
           <a:xfrm>
-            <a:off x="3475446" y="3841003"/>
+            <a:off x="3456976" y="4362133"/>
             <a:ext cx="205950" cy="205950"/>
           </a:xfrm>
           <a:prstGeom prst="ellipse">
@@ -8008,7 +8017,7 @@
         </p:nvSpPr>
         <p:spPr>
           <a:xfrm>
-            <a:off x="3475446" y="2321979"/>
+            <a:off x="3372471" y="2456493"/>
             <a:ext cx="205950" cy="205950"/>
           </a:xfrm>
           <a:prstGeom prst="ellipse">
@@ -8064,7 +8073,7 @@
         </p:nvSpPr>
         <p:spPr>
           <a:xfrm>
-            <a:off x="4736768" y="4354520"/>
+            <a:off x="5180529" y="4814983"/>
             <a:ext cx="205950" cy="205950"/>
           </a:xfrm>
           <a:prstGeom prst="ellipse">
@@ -8125,7 +8134,7 @@
         </p:nvSpPr>
         <p:spPr>
           <a:xfrm>
-            <a:off x="3137874" y="4338984"/>
+            <a:off x="3520838" y="4808758"/>
             <a:ext cx="205950" cy="205950"/>
           </a:xfrm>
           <a:prstGeom prst="ellipse">
@@ -8186,7 +8195,7 @@
         </p:nvSpPr>
         <p:spPr>
           <a:xfrm>
-            <a:off x="3993897" y="4321529"/>
+            <a:off x="4365164" y="4808758"/>
             <a:ext cx="205950" cy="205950"/>
           </a:xfrm>
           <a:prstGeom prst="ellipse">
@@ -8241,13 +8250,13 @@
       </p:sp>
       <p:sp>
         <p:nvSpPr>
-          <p:cNvPr id="23" name="타원 22"/>
+          <p:cNvPr id="24" name="타원 23"/>
           <p:cNvSpPr/>
           <p:nvPr/>
         </p:nvSpPr>
         <p:spPr>
           <a:xfrm>
-            <a:off x="5498856" y="4357624"/>
+            <a:off x="5374284" y="5907243"/>
             <a:ext cx="205950" cy="205950"/>
           </a:xfrm>
           <a:prstGeom prst="ellipse">
@@ -8291,67 +8300,6 @@
                 </a:solidFill>
               </a:rPr>
               <a:t>8</a:t>
-            </a:r>
-            <a:endParaRPr lang="ko-KR" altLang="en-US" sz="800" dirty="0">
-              <a:solidFill>
-                <a:schemeClr val="bg1"/>
-              </a:solidFill>
-            </a:endParaRPr>
-          </a:p>
-        </p:txBody>
-      </p:sp>
-      <p:sp>
-        <p:nvSpPr>
-          <p:cNvPr id="24" name="타원 23"/>
-          <p:cNvSpPr/>
-          <p:nvPr/>
-        </p:nvSpPr>
-        <p:spPr>
-          <a:xfrm>
-            <a:off x="5521626" y="6057403"/>
-            <a:ext cx="205950" cy="205950"/>
-          </a:xfrm>
-          <a:prstGeom prst="ellipse">
-            <a:avLst/>
-          </a:prstGeom>
-          <a:solidFill>
-            <a:srgbClr val="0070C0"/>
-          </a:solidFill>
-          <a:ln w="6350" cmpd="sng">
-            <a:solidFill>
-              <a:schemeClr val="bg1">
-                <a:lumMod val="65000"/>
-              </a:schemeClr>
-            </a:solidFill>
-          </a:ln>
-          <a:effectLst/>
-        </p:spPr>
-        <p:style>
-          <a:lnRef idx="1">
-            <a:schemeClr val="accent1"/>
-          </a:lnRef>
-          <a:fillRef idx="3">
-            <a:schemeClr val="accent1"/>
-          </a:fillRef>
-          <a:effectRef idx="2">
-            <a:schemeClr val="accent1"/>
-          </a:effectRef>
-          <a:fontRef idx="minor">
-            <a:schemeClr val="lt1"/>
-          </a:fontRef>
-        </p:style>
-        <p:txBody>
-          <a:bodyPr rtlCol="0" anchor="t"/>
-          <a:lstStyle/>
-          <a:p>
-            <a:pPr algn="ctr"/>
-            <a:r>
-              <a:rPr lang="en-US" altLang="ko-KR" sz="800" dirty="0">
-                <a:solidFill>
-                  <a:schemeClr val="bg1"/>
-                </a:solidFill>
-              </a:rPr>
-              <a:t>9</a:t>
             </a:r>
             <a:endParaRPr lang="ko-KR" altLang="en-US" sz="800" dirty="0">
               <a:solidFill>
@@ -8449,6 +8397,36 @@
           <a:chExt cx="0" cy="0"/>
         </a:xfrm>
       </p:grpSpPr>
+      <p:pic>
+        <p:nvPicPr>
+          <p:cNvPr id="4" name="그림 3" descr="텍스트이(가) 표시된 사진&#10;&#10;높은 신뢰도로 생성된 설명">
+            <a:extLst>
+              <a:ext uri="{FF2B5EF4-FFF2-40B4-BE49-F238E27FC236}">
+                <a16:creationId xmlns:a16="http://schemas.microsoft.com/office/drawing/2014/main" id="{E6505617-2C9E-40D1-A491-DB2EA13FBCD9}"/>
+              </a:ext>
+            </a:extLst>
+          </p:cNvPr>
+          <p:cNvPicPr>
+            <a:picLocks noChangeAspect="1"/>
+          </p:cNvPicPr>
+          <p:nvPr/>
+        </p:nvPicPr>
+        <p:blipFill>
+          <a:blip r:embed="rId2"/>
+          <a:stretch>
+            <a:fillRect/>
+          </a:stretch>
+        </p:blipFill>
+        <p:spPr>
+          <a:xfrm>
+            <a:off x="3211979" y="641832"/>
+            <a:ext cx="3482042" cy="5874610"/>
+          </a:xfrm>
+          <a:prstGeom prst="rect">
+            <a:avLst/>
+          </a:prstGeom>
+        </p:spPr>
+      </p:pic>
       <p:sp>
         <p:nvSpPr>
           <p:cNvPr id="9" name="Title 8"/>
@@ -8515,14 +8493,14 @@
           <p:nvPr>
             <p:extLst>
               <p:ext uri="{D42A27DB-BD31-4B8C-83A1-F6EECF244321}">
-                <p14:modId xmlns:p14="http://schemas.microsoft.com/office/powerpoint/2010/main" val="4000526857"/>
+                <p14:modId xmlns:p14="http://schemas.microsoft.com/office/powerpoint/2010/main" val="3315374813"/>
               </p:ext>
             </p:extLst>
           </p:nvPr>
         </p:nvGraphicFramePr>
         <p:xfrm>
           <a:off x="7813292" y="417536"/>
-          <a:ext cx="2016000" cy="4680814"/>
+          <a:ext cx="2016000" cy="4597439"/>
         </p:xfrm>
         <a:graphic>
           <a:graphicData uri="http://schemas.openxmlformats.org/drawingml/2006/table">
@@ -9359,11 +9337,39 @@
                     <a:bodyPr/>
                     <a:lstStyle/>
                     <a:p>
-                      <a:endParaRPr lang="en-US" altLang="ko-KR" sz="700" dirty="0">
-                        <a:solidFill>
-                          <a:srgbClr val="000000"/>
-                        </a:solidFill>
-                      </a:endParaRPr>
+                      <a:pPr marL="0" marR="0" lvl="0" indent="0" algn="l" defTabSz="914400" rtl="0" eaLnBrk="1" fontAlgn="auto" latinLnBrk="1" hangingPunct="1">
+                        <a:lnSpc>
+                          <a:spcPct val="100000"/>
+                        </a:lnSpc>
+                        <a:spcBef>
+                          <a:spcPts val="0"/>
+                        </a:spcBef>
+                        <a:spcAft>
+                          <a:spcPts val="0"/>
+                        </a:spcAft>
+                        <a:buClrTx/>
+                        <a:buSzTx/>
+                        <a:buFontTx/>
+                        <a:buNone/>
+                        <a:tabLst/>
+                        <a:defRPr/>
+                      </a:pPr>
+                      <a:r>
+                        <a:rPr lang="ko-KR" altLang="en-US" sz="700" dirty="0">
+                          <a:solidFill>
+                            <a:srgbClr val="000000"/>
+                          </a:solidFill>
+                        </a:rPr>
+                        <a:t>노래가 나올 때 재생되는 음악 버튼 </a:t>
+                      </a:r>
+                      <a:r>
+                        <a:rPr lang="en-US" altLang="ko-KR" sz="700" dirty="0">
+                          <a:solidFill>
+                            <a:srgbClr val="000000"/>
+                          </a:solidFill>
+                        </a:rPr>
+                        <a:t>(240 * 25)</a:t>
+                      </a:r>
                     </a:p>
                   </a:txBody>
                   <a:tcPr marL="29132" marR="29132" marT="39581" marB="39581">
@@ -9458,22 +9464,11 @@
                         <a:tabLst/>
                         <a:defRPr/>
                       </a:pPr>
-                      <a:r>
-                        <a:rPr lang="ko-KR" altLang="en-US" sz="700" dirty="0">
-                          <a:solidFill>
-                            <a:srgbClr val="000000"/>
-                          </a:solidFill>
-                        </a:rPr>
-                        <a:t>노래가 나올 때 재생되는 음악 버튼 </a:t>
-                      </a:r>
-                      <a:r>
-                        <a:rPr lang="en-US" altLang="ko-KR" sz="700" dirty="0">
-                          <a:solidFill>
-                            <a:srgbClr val="000000"/>
-                          </a:solidFill>
-                        </a:rPr>
-                        <a:t>(240 * 25)</a:t>
-                      </a:r>
+                      <a:endParaRPr lang="en-US" altLang="ko-KR" sz="700" dirty="0">
+                        <a:solidFill>
+                          <a:srgbClr val="000000"/>
+                        </a:solidFill>
+                      </a:endParaRPr>
                     </a:p>
                   </a:txBody>
                   <a:tcPr marL="29132" marR="29132" marT="39581" marB="39581">
@@ -9637,7 +9632,7 @@
                       </a:r>
                       <a:r>
                         <a:rPr lang="en-US" sz="700" b="0" baseline="0" dirty="0"/>
-                        <a:t> ~ 9 </a:t>
+                        <a:t> ~ 8 </a:t>
                       </a:r>
                       <a:r>
                         <a:rPr lang="ko-KR" altLang="en-US" sz="700" b="0" baseline="0" dirty="0"/>
@@ -9906,36 +9901,6 @@
           </a:p>
         </p:txBody>
       </p:sp>
-      <p:pic>
-        <p:nvPicPr>
-          <p:cNvPr id="2" name="그림 1"/>
-          <p:cNvPicPr>
-            <a:picLocks noChangeAspect="1"/>
-          </p:cNvPicPr>
-          <p:nvPr/>
-        </p:nvPicPr>
-        <p:blipFill>
-          <a:blip r:embed="rId2">
-            <a:extLst>
-              <a:ext uri="{28A0092B-C50C-407E-A947-70E740481C1C}">
-                <a14:useLocalDpi xmlns:a14="http://schemas.microsoft.com/office/drawing/2010/main" val="0"/>
-              </a:ext>
-            </a:extLst>
-          </a:blip>
-          <a:stretch>
-            <a:fillRect/>
-          </a:stretch>
-        </p:blipFill>
-        <p:spPr>
-          <a:xfrm>
-            <a:off x="3339287" y="802955"/>
-            <a:ext cx="3061514" cy="5471909"/>
-          </a:xfrm>
-          <a:prstGeom prst="rect">
-            <a:avLst/>
-          </a:prstGeom>
-        </p:spPr>
-      </p:pic>
       <p:sp>
         <p:nvSpPr>
           <p:cNvPr id="16" name="타원 62"/>
@@ -9996,7 +9961,7 @@
         </p:nvSpPr>
         <p:spPr>
           <a:xfrm>
-            <a:off x="3965502" y="3821704"/>
+            <a:off x="4002941" y="4153613"/>
             <a:ext cx="205950" cy="205950"/>
           </a:xfrm>
           <a:prstGeom prst="ellipse">
@@ -10118,7 +10083,7 @@
         </p:nvSpPr>
         <p:spPr>
           <a:xfrm>
-            <a:off x="4073188" y="3061298"/>
+            <a:off x="4155453" y="3206573"/>
             <a:ext cx="205950" cy="205950"/>
           </a:xfrm>
           <a:prstGeom prst="ellipse">
@@ -10174,7 +10139,7 @@
         </p:nvSpPr>
         <p:spPr>
           <a:xfrm>
-            <a:off x="4336312" y="4737525"/>
+            <a:off x="4590213" y="5232052"/>
             <a:ext cx="205950" cy="205950"/>
           </a:xfrm>
           <a:prstGeom prst="ellipse">
@@ -10235,7 +10200,7 @@
         </p:nvSpPr>
         <p:spPr>
           <a:xfrm>
-            <a:off x="3965502" y="4416412"/>
+            <a:off x="3985771" y="4822248"/>
             <a:ext cx="205950" cy="205950"/>
           </a:xfrm>
           <a:prstGeom prst="ellipse">
@@ -10296,7 +10261,7 @@
         </p:nvSpPr>
         <p:spPr>
           <a:xfrm>
-            <a:off x="3740301" y="4754775"/>
+            <a:off x="3927603" y="5232052"/>
             <a:ext cx="205950" cy="205950"/>
           </a:xfrm>
           <a:prstGeom prst="ellipse">
@@ -10357,7 +10322,7 @@
         </p:nvSpPr>
         <p:spPr>
           <a:xfrm>
-            <a:off x="4996554" y="4754775"/>
+            <a:off x="5293032" y="5232052"/>
             <a:ext cx="205950" cy="205950"/>
           </a:xfrm>
           <a:prstGeom prst="ellipse">
@@ -10418,7 +10383,7 @@
         </p:nvSpPr>
         <p:spPr>
           <a:xfrm>
-            <a:off x="5539287" y="4745136"/>
+            <a:off x="5593122" y="6010218"/>
             <a:ext cx="205950" cy="205950"/>
           </a:xfrm>
           <a:prstGeom prst="ellipse">
@@ -10471,122 +10436,36 @@
           </a:p>
         </p:txBody>
       </p:sp>
-      <p:sp>
-        <p:nvSpPr>
-          <p:cNvPr id="25" name="타원 24"/>
-          <p:cNvSpPr/>
-          <p:nvPr/>
-        </p:nvSpPr>
-        <p:spPr>
-          <a:xfrm>
-            <a:off x="5417892" y="5967066"/>
-            <a:ext cx="448740" cy="293183"/>
-          </a:xfrm>
-          <a:prstGeom prst="ellipse">
-            <a:avLst/>
-          </a:prstGeom>
-          <a:solidFill>
-            <a:srgbClr val="0070C0"/>
-          </a:solidFill>
-          <a:ln w="6350" cmpd="sng">
-            <a:solidFill>
-              <a:schemeClr val="bg1">
-                <a:lumMod val="65000"/>
-              </a:schemeClr>
-            </a:solidFill>
-          </a:ln>
-          <a:effectLst/>
-        </p:spPr>
-        <p:style>
-          <a:lnRef idx="1">
-            <a:schemeClr val="accent1"/>
-          </a:lnRef>
-          <a:fillRef idx="3">
-            <a:schemeClr val="accent1"/>
-          </a:fillRef>
-          <a:effectRef idx="2">
-            <a:schemeClr val="accent1"/>
-          </a:effectRef>
-          <a:fontRef idx="minor">
-            <a:schemeClr val="lt1"/>
-          </a:fontRef>
-        </p:style>
-        <p:txBody>
-          <a:bodyPr rtlCol="0" anchor="t"/>
-          <a:lstStyle/>
-          <a:p>
-            <a:pPr algn="ctr"/>
-            <a:r>
-              <a:rPr lang="en-US" altLang="ko-KR" sz="800" dirty="0">
-                <a:solidFill>
-                  <a:schemeClr val="bg1"/>
-                </a:solidFill>
-              </a:rPr>
-              <a:t>10</a:t>
-            </a:r>
-            <a:endParaRPr lang="ko-KR" altLang="en-US" sz="800" dirty="0">
-              <a:solidFill>
-                <a:schemeClr val="bg1"/>
-              </a:solidFill>
-            </a:endParaRPr>
-          </a:p>
-        </p:txBody>
-      </p:sp>
-      <p:sp>
-        <p:nvSpPr>
-          <p:cNvPr id="26" name="직사각형 25">
+      <p:pic>
+        <p:nvPicPr>
+          <p:cNvPr id="5" name="그림 4">
             <a:extLst>
               <a:ext uri="{FF2B5EF4-FFF2-40B4-BE49-F238E27FC236}">
-                <a16:creationId xmlns:a16="http://schemas.microsoft.com/office/drawing/2014/main" id="{EDEDE722-F103-46EB-B8E3-D3A793F9A303}"/>
+                <a16:creationId xmlns:a16="http://schemas.microsoft.com/office/drawing/2014/main" id="{4138BACC-FC30-4EBC-A40C-6F5159F0EF49}"/>
               </a:ext>
             </a:extLst>
           </p:cNvPr>
-          <p:cNvSpPr/>
+          <p:cNvPicPr>
+            <a:picLocks noChangeAspect="1"/>
+          </p:cNvPicPr>
           <p:nvPr/>
-        </p:nvSpPr>
+        </p:nvPicPr>
+        <p:blipFill>
+          <a:blip r:embed="rId3"/>
+          <a:stretch>
+            <a:fillRect/>
+          </a:stretch>
+        </p:blipFill>
         <p:spPr>
           <a:xfrm>
-            <a:off x="3473025" y="730380"/>
-            <a:ext cx="2473334" cy="360020"/>
+            <a:off x="5293032" y="6213409"/>
+            <a:ext cx="2110204" cy="347635"/>
           </a:xfrm>
           <a:prstGeom prst="rect">
             <a:avLst/>
           </a:prstGeom>
-          <a:solidFill>
-            <a:schemeClr val="bg1"/>
-          </a:solidFill>
-          <a:ln w="6350" cmpd="sng">
-            <a:noFill/>
-          </a:ln>
-          <a:effectLst/>
         </p:spPr>
-        <p:style>
-          <a:lnRef idx="1">
-            <a:schemeClr val="accent1"/>
-          </a:lnRef>
-          <a:fillRef idx="3">
-            <a:schemeClr val="accent1"/>
-          </a:fillRef>
-          <a:effectRef idx="2">
-            <a:schemeClr val="accent1"/>
-          </a:effectRef>
-          <a:fontRef idx="minor">
-            <a:schemeClr val="lt1"/>
-          </a:fontRef>
-        </p:style>
-        <p:txBody>
-          <a:bodyPr rtlCol="0" anchor="t"/>
-          <a:lstStyle/>
-          <a:p>
-            <a:pPr algn="ctr"/>
-            <a:endParaRPr lang="ko-KR" altLang="en-US" sz="1000" dirty="0">
-              <a:solidFill>
-                <a:schemeClr val="tx1"/>
-              </a:solidFill>
-            </a:endParaRPr>
-          </a:p>
-        </p:txBody>
-      </p:sp>
+      </p:pic>
     </p:spTree>
   </p:cSld>
   <p:clrMapOvr>
